--- a/part1/Figures/collections/arraylist.pptx
+++ b/part1/Figures/collections/arraylist.pptx
@@ -289,7 +289,7 @@
             <a:fld id="{4FCECDFD-BFFC-6141-83BB-B602E64518FB}" type="datetimeFigureOut">
               <a:rPr lang="en-US" smtClean="0"/>
               <a:pPr/>
-              <a:t>4/30/10</a:t>
+              <a:t>4/6/11</a:t>
             </a:fld>
             <a:endParaRPr lang="en-US"/>
           </a:p>
@@ -456,7 +456,7 @@
             <a:fld id="{4FCECDFD-BFFC-6141-83BB-B602E64518FB}" type="datetimeFigureOut">
               <a:rPr lang="en-US" smtClean="0"/>
               <a:pPr/>
-              <a:t>4/30/10</a:t>
+              <a:t>4/6/11</a:t>
             </a:fld>
             <a:endParaRPr lang="en-US"/>
           </a:p>
@@ -633,7 +633,7 @@
             <a:fld id="{4FCECDFD-BFFC-6141-83BB-B602E64518FB}" type="datetimeFigureOut">
               <a:rPr lang="en-US" smtClean="0"/>
               <a:pPr/>
-              <a:t>4/30/10</a:t>
+              <a:t>4/6/11</a:t>
             </a:fld>
             <a:endParaRPr lang="en-US"/>
           </a:p>
@@ -800,7 +800,7 @@
             <a:fld id="{4FCECDFD-BFFC-6141-83BB-B602E64518FB}" type="datetimeFigureOut">
               <a:rPr lang="en-US" smtClean="0"/>
               <a:pPr/>
-              <a:t>4/30/10</a:t>
+              <a:t>4/6/11</a:t>
             </a:fld>
             <a:endParaRPr lang="en-US"/>
           </a:p>
@@ -1043,7 +1043,7 @@
             <a:fld id="{4FCECDFD-BFFC-6141-83BB-B602E64518FB}" type="datetimeFigureOut">
               <a:rPr lang="en-US" smtClean="0"/>
               <a:pPr/>
-              <a:t>4/30/10</a:t>
+              <a:t>4/6/11</a:t>
             </a:fld>
             <a:endParaRPr lang="en-US"/>
           </a:p>
@@ -1328,7 +1328,7 @@
             <a:fld id="{4FCECDFD-BFFC-6141-83BB-B602E64518FB}" type="datetimeFigureOut">
               <a:rPr lang="en-US" smtClean="0"/>
               <a:pPr/>
-              <a:t>4/30/10</a:t>
+              <a:t>4/6/11</a:t>
             </a:fld>
             <a:endParaRPr lang="en-US"/>
           </a:p>
@@ -1747,7 +1747,7 @@
             <a:fld id="{4FCECDFD-BFFC-6141-83BB-B602E64518FB}" type="datetimeFigureOut">
               <a:rPr lang="en-US" smtClean="0"/>
               <a:pPr/>
-              <a:t>4/30/10</a:t>
+              <a:t>4/6/11</a:t>
             </a:fld>
             <a:endParaRPr lang="en-US"/>
           </a:p>
@@ -1862,7 +1862,7 @@
             <a:fld id="{4FCECDFD-BFFC-6141-83BB-B602E64518FB}" type="datetimeFigureOut">
               <a:rPr lang="en-US" smtClean="0"/>
               <a:pPr/>
-              <a:t>4/30/10</a:t>
+              <a:t>4/6/11</a:t>
             </a:fld>
             <a:endParaRPr lang="en-US"/>
           </a:p>
@@ -1954,7 +1954,7 @@
             <a:fld id="{4FCECDFD-BFFC-6141-83BB-B602E64518FB}" type="datetimeFigureOut">
               <a:rPr lang="en-US" smtClean="0"/>
               <a:pPr/>
-              <a:t>4/30/10</a:t>
+              <a:t>4/6/11</a:t>
             </a:fld>
             <a:endParaRPr lang="en-US"/>
           </a:p>
@@ -2228,7 +2228,7 @@
             <a:fld id="{4FCECDFD-BFFC-6141-83BB-B602E64518FB}" type="datetimeFigureOut">
               <a:rPr lang="en-US" smtClean="0"/>
               <a:pPr/>
-              <a:t>4/30/10</a:t>
+              <a:t>4/6/11</a:t>
             </a:fld>
             <a:endParaRPr lang="en-US"/>
           </a:p>
@@ -2478,7 +2478,7 @@
             <a:fld id="{4FCECDFD-BFFC-6141-83BB-B602E64518FB}" type="datetimeFigureOut">
               <a:rPr lang="en-US" smtClean="0"/>
               <a:pPr/>
-              <a:t>4/30/10</a:t>
+              <a:t>4/6/11</a:t>
             </a:fld>
             <a:endParaRPr lang="en-US"/>
           </a:p>
@@ -2688,7 +2688,7 @@
             <a:fld id="{4FCECDFD-BFFC-6141-83BB-B602E64518FB}" type="datetimeFigureOut">
               <a:rPr lang="en-US" smtClean="0"/>
               <a:pPr/>
-              <a:t>4/30/10</a:t>
+              <a:t>4/6/11</a:t>
             </a:fld>
             <a:endParaRPr lang="en-US"/>
           </a:p>
@@ -3459,7 +3459,7 @@
         </p:nvSpPr>
         <p:spPr>
           <a:xfrm>
-            <a:off x="5898588" y="2927122"/>
+            <a:off x="5614571" y="2634734"/>
             <a:ext cx="4572000" cy="584776"/>
           </a:xfrm>
           <a:prstGeom prst="rect">
@@ -3474,35 +3474,11 @@
           <a:p>
             <a:r>
               <a:rPr lang="en-US" sz="1600" i="1" dirty="0" smtClean="0"/>
-              <a:t> </a:t>
-            </a:r>
-            <a:r>
-              <a:rPr lang="en-US" sz="1600" i="1" dirty="0" smtClean="0"/>
-              <a:t>Default array size is 10</a:t>
-            </a:r>
+              <a:t>  Default size 10 entries: 56 bytes </a:t>
+            </a:r>
+          </a:p>
+          <a:p>
             <a:endParaRPr lang="en-US" sz="1600" i="1" dirty="0" smtClean="0"/>
-          </a:p>
-          <a:p>
-            <a:r>
-              <a:rPr lang="en-US" sz="1600" i="1" dirty="0" smtClean="0"/>
-              <a:t>Waste:</a:t>
-            </a:r>
-            <a:r>
-              <a:rPr lang="en-US" sz="1600" i="1" dirty="0" smtClean="0"/>
-              <a:t> </a:t>
-            </a:r>
-            <a:r>
-              <a:rPr lang="en-US" sz="1600" i="1" dirty="0" smtClean="0"/>
-              <a:t>20</a:t>
-            </a:r>
-            <a:r>
-              <a:rPr lang="en-US" sz="1600" i="1" dirty="0" smtClean="0"/>
-              <a:t> </a:t>
-            </a:r>
-            <a:r>
-              <a:rPr lang="en-US" sz="1600" i="1" dirty="0" smtClean="0"/>
-              <a:t>bytes for 5 entries</a:t>
-            </a:r>
           </a:p>
         </p:txBody>
       </p:sp>
@@ -3514,8 +3490,8 @@
         </p:nvSpPr>
         <p:spPr>
           <a:xfrm>
-            <a:off x="390849" y="2034569"/>
-            <a:ext cx="2571525" cy="830997"/>
+            <a:off x="4090571" y="1415534"/>
+            <a:ext cx="1763010" cy="338554"/>
           </a:xfrm>
           <a:prstGeom prst="rect">
             <a:avLst/>
@@ -3530,27 +3506,7 @@
           <a:p>
             <a:r>
               <a:rPr lang="en-US" sz="1600" i="1" dirty="0" smtClean="0"/>
-              <a:t>Fixed cost includes</a:t>
-            </a:r>
-          </a:p>
-          <a:p>
-            <a:r>
-              <a:rPr lang="en-US" sz="1600" i="1" dirty="0" smtClean="0"/>
-              <a:t>d</a:t>
-            </a:r>
-            <a:r>
-              <a:rPr lang="en-US" sz="1600" i="1" dirty="0" smtClean="0"/>
-              <a:t>elegation and </a:t>
-            </a:r>
-          </a:p>
-          <a:p>
-            <a:r>
-              <a:rPr lang="en-US" sz="1600" i="1" dirty="0" smtClean="0"/>
-              <a:t>b</a:t>
-            </a:r>
-            <a:r>
-              <a:rPr lang="en-US" sz="1600" i="1" dirty="0" smtClean="0"/>
-              <a:t>ookkeeping fields: 36 bytes</a:t>
+              <a:t>Wrapper: 24 bytes</a:t>
             </a:r>
             <a:endParaRPr lang="en-US" sz="1600" i="1" dirty="0"/>
           </a:p>
@@ -3565,7 +3521,7 @@
         <p:spPr>
           <a:xfrm>
             <a:off x="6096000" y="4582180"/>
-            <a:ext cx="2418939" cy="338554"/>
+            <a:ext cx="2418939" cy="584776"/>
           </a:xfrm>
           <a:prstGeom prst="rect">
             <a:avLst/>
@@ -3580,7 +3536,17 @@
           <a:p>
             <a:r>
               <a:rPr lang="en-US" sz="1600" i="1" dirty="0" smtClean="0"/>
-              <a:t>Per element cost is 4 bytes</a:t>
+              <a:t>Per element cost is 4 </a:t>
+            </a:r>
+            <a:r>
+              <a:rPr lang="en-US" sz="1600" i="1" dirty="0" smtClean="0"/>
+              <a:t>bytes</a:t>
+            </a:r>
+          </a:p>
+          <a:p>
+            <a:r>
+              <a:rPr lang="en-US" sz="1600" i="1" dirty="0" smtClean="0"/>
+              <a:t>in the array Object[]</a:t>
             </a:r>
             <a:endParaRPr lang="en-US" sz="1600" i="1" dirty="0"/>
           </a:p>

--- a/part1/Figures/collections/arraylist.pptx
+++ b/part1/Figures/collections/arraylist.pptx
@@ -289,7 +289,7 @@
             <a:fld id="{4FCECDFD-BFFC-6141-83BB-B602E64518FB}" type="datetimeFigureOut">
               <a:rPr lang="en-US" smtClean="0"/>
               <a:pPr/>
-              <a:t>4/6/11</a:t>
+              <a:t>4/19/11</a:t>
             </a:fld>
             <a:endParaRPr lang="en-US"/>
           </a:p>
@@ -456,7 +456,7 @@
             <a:fld id="{4FCECDFD-BFFC-6141-83BB-B602E64518FB}" type="datetimeFigureOut">
               <a:rPr lang="en-US" smtClean="0"/>
               <a:pPr/>
-              <a:t>4/6/11</a:t>
+              <a:t>4/19/11</a:t>
             </a:fld>
             <a:endParaRPr lang="en-US"/>
           </a:p>
@@ -633,7 +633,7 @@
             <a:fld id="{4FCECDFD-BFFC-6141-83BB-B602E64518FB}" type="datetimeFigureOut">
               <a:rPr lang="en-US" smtClean="0"/>
               <a:pPr/>
-              <a:t>4/6/11</a:t>
+              <a:t>4/19/11</a:t>
             </a:fld>
             <a:endParaRPr lang="en-US"/>
           </a:p>
@@ -800,7 +800,7 @@
             <a:fld id="{4FCECDFD-BFFC-6141-83BB-B602E64518FB}" type="datetimeFigureOut">
               <a:rPr lang="en-US" smtClean="0"/>
               <a:pPr/>
-              <a:t>4/6/11</a:t>
+              <a:t>4/19/11</a:t>
             </a:fld>
             <a:endParaRPr lang="en-US"/>
           </a:p>
@@ -1043,7 +1043,7 @@
             <a:fld id="{4FCECDFD-BFFC-6141-83BB-B602E64518FB}" type="datetimeFigureOut">
               <a:rPr lang="en-US" smtClean="0"/>
               <a:pPr/>
-              <a:t>4/6/11</a:t>
+              <a:t>4/19/11</a:t>
             </a:fld>
             <a:endParaRPr lang="en-US"/>
           </a:p>
@@ -1328,7 +1328,7 @@
             <a:fld id="{4FCECDFD-BFFC-6141-83BB-B602E64518FB}" type="datetimeFigureOut">
               <a:rPr lang="en-US" smtClean="0"/>
               <a:pPr/>
-              <a:t>4/6/11</a:t>
+              <a:t>4/19/11</a:t>
             </a:fld>
             <a:endParaRPr lang="en-US"/>
           </a:p>
@@ -1747,7 +1747,7 @@
             <a:fld id="{4FCECDFD-BFFC-6141-83BB-B602E64518FB}" type="datetimeFigureOut">
               <a:rPr lang="en-US" smtClean="0"/>
               <a:pPr/>
-              <a:t>4/6/11</a:t>
+              <a:t>4/19/11</a:t>
             </a:fld>
             <a:endParaRPr lang="en-US"/>
           </a:p>
@@ -1862,7 +1862,7 @@
             <a:fld id="{4FCECDFD-BFFC-6141-83BB-B602E64518FB}" type="datetimeFigureOut">
               <a:rPr lang="en-US" smtClean="0"/>
               <a:pPr/>
-              <a:t>4/6/11</a:t>
+              <a:t>4/19/11</a:t>
             </a:fld>
             <a:endParaRPr lang="en-US"/>
           </a:p>
@@ -1954,7 +1954,7 @@
             <a:fld id="{4FCECDFD-BFFC-6141-83BB-B602E64518FB}" type="datetimeFigureOut">
               <a:rPr lang="en-US" smtClean="0"/>
               <a:pPr/>
-              <a:t>4/6/11</a:t>
+              <a:t>4/19/11</a:t>
             </a:fld>
             <a:endParaRPr lang="en-US"/>
           </a:p>
@@ -2228,7 +2228,7 @@
             <a:fld id="{4FCECDFD-BFFC-6141-83BB-B602E64518FB}" type="datetimeFigureOut">
               <a:rPr lang="en-US" smtClean="0"/>
               <a:pPr/>
-              <a:t>4/6/11</a:t>
+              <a:t>4/19/11</a:t>
             </a:fld>
             <a:endParaRPr lang="en-US"/>
           </a:p>
@@ -2478,7 +2478,7 @@
             <a:fld id="{4FCECDFD-BFFC-6141-83BB-B602E64518FB}" type="datetimeFigureOut">
               <a:rPr lang="en-US" smtClean="0"/>
               <a:pPr/>
-              <a:t>4/6/11</a:t>
+              <a:t>4/19/11</a:t>
             </a:fld>
             <a:endParaRPr lang="en-US"/>
           </a:p>
@@ -2688,7 +2688,7 @@
             <a:fld id="{4FCECDFD-BFFC-6141-83BB-B602E64518FB}" type="datetimeFigureOut">
               <a:rPr lang="en-US" smtClean="0"/>
               <a:pPr/>
-              <a:t>4/6/11</a:t>
+              <a:t>4/19/11</a:t>
             </a:fld>
             <a:endParaRPr lang="en-US"/>
           </a:p>
@@ -3169,11 +3169,7 @@
           <a:prstGeom prst="rect">
             <a:avLst/>
           </a:prstGeom>
-          <a:solidFill>
-            <a:schemeClr val="bg1">
-              <a:lumMod val="85000"/>
-            </a:schemeClr>
-          </a:solidFill>
+          <a:noFill/>
           <a:ln>
             <a:solidFill>
               <a:schemeClr val="tx1"/>
@@ -3521,7 +3517,7 @@
         <p:spPr>
           <a:xfrm>
             <a:off x="6096000" y="4582180"/>
-            <a:ext cx="2418939" cy="584776"/>
+            <a:ext cx="2104550" cy="584776"/>
           </a:xfrm>
           <a:prstGeom prst="rect">
             <a:avLst/>
@@ -3536,11 +3532,15 @@
           <a:p>
             <a:r>
               <a:rPr lang="en-US" sz="1600" i="1" dirty="0" smtClean="0"/>
-              <a:t>Per element cost is 4 </a:t>
+              <a:t>E</a:t>
             </a:r>
             <a:r>
               <a:rPr lang="en-US" sz="1600" i="1" dirty="0" smtClean="0"/>
-              <a:t>bytes</a:t>
+              <a:t>lement </a:t>
+            </a:r>
+            <a:r>
+              <a:rPr lang="en-US" sz="1600" i="1" dirty="0" smtClean="0"/>
+              <a:t>cost is 4 bytes</a:t>
             </a:r>
           </a:p>
           <a:p>
